--- a/doc/ProxyPool.pptx
+++ b/doc/ProxyPool.pptx
@@ -264,7 +264,7 @@
           <a:p>
             <a:fld id="{E6DA5456-1882-1543-AF4D-7CCB7470196E}" type="datetimeFigureOut">
               <a:rPr kumimoji="1" lang="zh-CN" altLang="en-US" smtClean="0"/>
-              <a:t>2018/12/24</a:t>
+              <a:t>2018/12/25</a:t>
             </a:fld>
             <a:endParaRPr kumimoji="1" lang="zh-CN" altLang="en-US"/>
           </a:p>
@@ -437,7 +437,7 @@
           <a:p>
             <a:fld id="{E6DA5456-1882-1543-AF4D-7CCB7470196E}" type="datetimeFigureOut">
               <a:rPr kumimoji="1" lang="zh-CN" altLang="en-US" smtClean="0"/>
-              <a:t>2018/12/24</a:t>
+              <a:t>2018/12/25</a:t>
             </a:fld>
             <a:endParaRPr kumimoji="1" lang="zh-CN" altLang="en-US"/>
           </a:p>
@@ -620,7 +620,7 @@
           <a:p>
             <a:fld id="{E6DA5456-1882-1543-AF4D-7CCB7470196E}" type="datetimeFigureOut">
               <a:rPr kumimoji="1" lang="zh-CN" altLang="en-US" smtClean="0"/>
-              <a:t>2018/12/24</a:t>
+              <a:t>2018/12/25</a:t>
             </a:fld>
             <a:endParaRPr kumimoji="1" lang="zh-CN" altLang="en-US"/>
           </a:p>
@@ -793,7 +793,7 @@
           <a:p>
             <a:fld id="{E6DA5456-1882-1543-AF4D-7CCB7470196E}" type="datetimeFigureOut">
               <a:rPr kumimoji="1" lang="zh-CN" altLang="en-US" smtClean="0"/>
-              <a:t>2018/12/24</a:t>
+              <a:t>2018/12/25</a:t>
             </a:fld>
             <a:endParaRPr kumimoji="1" lang="zh-CN" altLang="en-US"/>
           </a:p>
@@ -1071,7 +1071,7 @@
           <a:p>
             <a:fld id="{E6DA5456-1882-1543-AF4D-7CCB7470196E}" type="datetimeFigureOut">
               <a:rPr kumimoji="1" lang="zh-CN" altLang="en-US" smtClean="0"/>
-              <a:t>2018/12/24</a:t>
+              <a:t>2018/12/25</a:t>
             </a:fld>
             <a:endParaRPr kumimoji="1" lang="zh-CN" altLang="en-US"/>
           </a:p>
@@ -1286,7 +1286,7 @@
           <a:p>
             <a:fld id="{E6DA5456-1882-1543-AF4D-7CCB7470196E}" type="datetimeFigureOut">
               <a:rPr kumimoji="1" lang="zh-CN" altLang="en-US" smtClean="0"/>
-              <a:t>2018/12/24</a:t>
+              <a:t>2018/12/25</a:t>
             </a:fld>
             <a:endParaRPr kumimoji="1" lang="zh-CN" altLang="en-US"/>
           </a:p>
@@ -1654,7 +1654,7 @@
           <a:p>
             <a:fld id="{E6DA5456-1882-1543-AF4D-7CCB7470196E}" type="datetimeFigureOut">
               <a:rPr kumimoji="1" lang="zh-CN" altLang="en-US" smtClean="0"/>
-              <a:t>2018/12/24</a:t>
+              <a:t>2018/12/25</a:t>
             </a:fld>
             <a:endParaRPr kumimoji="1" lang="zh-CN" altLang="en-US"/>
           </a:p>
@@ -1795,7 +1795,7 @@
           <a:p>
             <a:fld id="{E6DA5456-1882-1543-AF4D-7CCB7470196E}" type="datetimeFigureOut">
               <a:rPr kumimoji="1" lang="zh-CN" altLang="en-US" smtClean="0"/>
-              <a:t>2018/12/24</a:t>
+              <a:t>2018/12/25</a:t>
             </a:fld>
             <a:endParaRPr kumimoji="1" lang="zh-CN" altLang="en-US"/>
           </a:p>
@@ -1908,7 +1908,7 @@
           <a:p>
             <a:fld id="{E6DA5456-1882-1543-AF4D-7CCB7470196E}" type="datetimeFigureOut">
               <a:rPr kumimoji="1" lang="zh-CN" altLang="en-US" smtClean="0"/>
-              <a:t>2018/12/24</a:t>
+              <a:t>2018/12/25</a:t>
             </a:fld>
             <a:endParaRPr kumimoji="1" lang="zh-CN" altLang="en-US"/>
           </a:p>
@@ -2197,7 +2197,7 @@
           <a:p>
             <a:fld id="{E6DA5456-1882-1543-AF4D-7CCB7470196E}" type="datetimeFigureOut">
               <a:rPr kumimoji="1" lang="zh-CN" altLang="en-US" smtClean="0"/>
-              <a:t>2018/12/24</a:t>
+              <a:t>2018/12/25</a:t>
             </a:fld>
             <a:endParaRPr kumimoji="1" lang="zh-CN" altLang="en-US"/>
           </a:p>
@@ -2488,7 +2488,7 @@
           <a:p>
             <a:fld id="{E6DA5456-1882-1543-AF4D-7CCB7470196E}" type="datetimeFigureOut">
               <a:rPr kumimoji="1" lang="zh-CN" altLang="en-US" smtClean="0"/>
-              <a:t>2018/12/24</a:t>
+              <a:t>2018/12/25</a:t>
             </a:fld>
             <a:endParaRPr kumimoji="1" lang="zh-CN" altLang="en-US"/>
           </a:p>
@@ -2704,7 +2704,7 @@
           <a:p>
             <a:fld id="{E6DA5456-1882-1543-AF4D-7CCB7470196E}" type="datetimeFigureOut">
               <a:rPr kumimoji="1" lang="zh-CN" altLang="en-US" smtClean="0"/>
-              <a:t>2018/12/24</a:t>
+              <a:t>2018/12/25</a:t>
             </a:fld>
             <a:endParaRPr kumimoji="1" lang="zh-CN" altLang="en-US"/>
           </a:p>
@@ -3159,6 +3159,43 @@
           </a:p>
         </p:txBody>
       </p:sp>
+      <p:sp>
+        <p:nvSpPr>
+          <p:cNvPr id="3" name="文本框 2">
+            <a:extLst>
+              <a:ext uri="{FF2B5EF4-FFF2-40B4-BE49-F238E27FC236}">
+                <a16:creationId xmlns:a16="http://schemas.microsoft.com/office/drawing/2014/main" id="{D8C47CFD-E25F-A741-9E25-729C6DB5C111}"/>
+              </a:ext>
+            </a:extLst>
+          </p:cNvPr>
+          <p:cNvSpPr txBox="1"/>
+          <p:nvPr/>
+        </p:nvSpPr>
+        <p:spPr>
+          <a:xfrm>
+            <a:off x="2982410" y="3819645"/>
+            <a:ext cx="6227180" cy="369332"/>
+          </a:xfrm>
+          <a:prstGeom prst="rect">
+            <a:avLst/>
+          </a:prstGeom>
+          <a:noFill/>
+        </p:spPr>
+        <p:txBody>
+          <a:bodyPr wrap="square" rtlCol="0">
+            <a:spAutoFit/>
+          </a:bodyPr>
+          <a:lstStyle/>
+          <a:p>
+            <a:pPr algn="ctr"/>
+            <a:r>
+              <a:rPr kumimoji="1" lang="en-US" altLang="zh-CN" dirty="0"/>
+              <a:t>https://gitee.com/jsbd/ProxyPool</a:t>
+            </a:r>
+            <a:endParaRPr kumimoji="1" lang="zh-CN" altLang="en-US" dirty="0"/>
+          </a:p>
+        </p:txBody>
+      </p:sp>
     </p:spTree>
     <p:extLst>
       <p:ext uri="{BB962C8B-B14F-4D97-AF65-F5344CB8AC3E}">
